--- a/pnts/figures/Figures.pptx
+++ b/pnts/figures/Figures.pptx
@@ -106,7 +106,7 @@
   </p:defaultTextStyle>
   <p:extLst>
     <p:ext uri="{EFAFB233-063F-42B5-8137-9DF3F51BA10A}">
-      <p15:sldGuideLst xmlns:p15="http://schemas.microsoft.com/office/powerpoint/2012/main" xmlns="">
+      <p15:sldGuideLst xmlns:p15="http://schemas.microsoft.com/office/powerpoint/2012/main">
         <p15:guide id="1" orient="horz" pos="2160">
           <p15:clr>
             <a:srgbClr val="A4A3A4"/>
@@ -304,7 +304,7 @@
           <a:p>
             <a:fld id="{E44376AC-B3C2-8643-B9A3-A6905164CDF3}" type="datetimeFigureOut">
               <a:rPr lang="en-US" smtClean="0"/>
-              <a:t>6/22/15</a:t>
+              <a:t>8/1/2015</a:t>
             </a:fld>
             <a:endParaRPr lang="en-US"/>
           </a:p>
@@ -474,7 +474,7 @@
           <a:p>
             <a:fld id="{E44376AC-B3C2-8643-B9A3-A6905164CDF3}" type="datetimeFigureOut">
               <a:rPr lang="en-US" smtClean="0"/>
-              <a:t>6/22/15</a:t>
+              <a:t>8/1/2015</a:t>
             </a:fld>
             <a:endParaRPr lang="en-US"/>
           </a:p>
@@ -654,7 +654,7 @@
           <a:p>
             <a:fld id="{E44376AC-B3C2-8643-B9A3-A6905164CDF3}" type="datetimeFigureOut">
               <a:rPr lang="en-US" smtClean="0"/>
-              <a:t>6/22/15</a:t>
+              <a:t>8/1/2015</a:t>
             </a:fld>
             <a:endParaRPr lang="en-US"/>
           </a:p>
@@ -824,7 +824,7 @@
           <a:p>
             <a:fld id="{E44376AC-B3C2-8643-B9A3-A6905164CDF3}" type="datetimeFigureOut">
               <a:rPr lang="en-US" smtClean="0"/>
-              <a:t>6/22/15</a:t>
+              <a:t>8/1/2015</a:t>
             </a:fld>
             <a:endParaRPr lang="en-US"/>
           </a:p>
@@ -1070,7 +1070,7 @@
           <a:p>
             <a:fld id="{E44376AC-B3C2-8643-B9A3-A6905164CDF3}" type="datetimeFigureOut">
               <a:rPr lang="en-US" smtClean="0"/>
-              <a:t>6/22/15</a:t>
+              <a:t>8/1/2015</a:t>
             </a:fld>
             <a:endParaRPr lang="en-US"/>
           </a:p>
@@ -1358,7 +1358,7 @@
           <a:p>
             <a:fld id="{E44376AC-B3C2-8643-B9A3-A6905164CDF3}" type="datetimeFigureOut">
               <a:rPr lang="en-US" smtClean="0"/>
-              <a:t>6/22/15</a:t>
+              <a:t>8/1/2015</a:t>
             </a:fld>
             <a:endParaRPr lang="en-US"/>
           </a:p>
@@ -1780,7 +1780,7 @@
           <a:p>
             <a:fld id="{E44376AC-B3C2-8643-B9A3-A6905164CDF3}" type="datetimeFigureOut">
               <a:rPr lang="en-US" smtClean="0"/>
-              <a:t>6/22/15</a:t>
+              <a:t>8/1/2015</a:t>
             </a:fld>
             <a:endParaRPr lang="en-US"/>
           </a:p>
@@ -1898,7 +1898,7 @@
           <a:p>
             <a:fld id="{E44376AC-B3C2-8643-B9A3-A6905164CDF3}" type="datetimeFigureOut">
               <a:rPr lang="en-US" smtClean="0"/>
-              <a:t>6/22/15</a:t>
+              <a:t>8/1/2015</a:t>
             </a:fld>
             <a:endParaRPr lang="en-US"/>
           </a:p>
@@ -1993,7 +1993,7 @@
           <a:p>
             <a:fld id="{E44376AC-B3C2-8643-B9A3-A6905164CDF3}" type="datetimeFigureOut">
               <a:rPr lang="en-US" smtClean="0"/>
-              <a:t>6/22/15</a:t>
+              <a:t>8/1/2015</a:t>
             </a:fld>
             <a:endParaRPr lang="en-US"/>
           </a:p>
@@ -2270,7 +2270,7 @@
           <a:p>
             <a:fld id="{E44376AC-B3C2-8643-B9A3-A6905164CDF3}" type="datetimeFigureOut">
               <a:rPr lang="en-US" smtClean="0"/>
-              <a:t>6/22/15</a:t>
+              <a:t>8/1/2015</a:t>
             </a:fld>
             <a:endParaRPr lang="en-US"/>
           </a:p>
@@ -2523,7 +2523,7 @@
           <a:p>
             <a:fld id="{E44376AC-B3C2-8643-B9A3-A6905164CDF3}" type="datetimeFigureOut">
               <a:rPr lang="en-US" smtClean="0"/>
-              <a:t>6/22/15</a:t>
+              <a:t>8/1/2015</a:t>
             </a:fld>
             <a:endParaRPr lang="en-US"/>
           </a:p>
@@ -2736,7 +2736,7 @@
           <a:p>
             <a:fld id="{E44376AC-B3C2-8643-B9A3-A6905164CDF3}" type="datetimeFigureOut">
               <a:rPr lang="en-US" smtClean="0"/>
-              <a:t>6/22/15</a:t>
+              <a:t>8/1/2015</a:t>
             </a:fld>
             <a:endParaRPr lang="en-US"/>
           </a:p>
@@ -3267,8 +3267,8 @@
         </p:nvSpPr>
         <p:spPr>
           <a:xfrm>
-            <a:off x="5383542" y="662695"/>
-            <a:ext cx="1569886" cy="461665"/>
+            <a:off x="4558046" y="662695"/>
+            <a:ext cx="1579278" cy="461665"/>
           </a:xfrm>
           <a:prstGeom prst="rect">
             <a:avLst/>
@@ -3292,31 +3292,11 @@
                 <a:latin typeface="Courier New"/>
                 <a:cs typeface="Courier New"/>
               </a:rPr>
-              <a:t>p</a:t>
-            </a:r>
-            <a:r>
-              <a:rPr lang="en-US" sz="1200" dirty="0" smtClean="0">
-                <a:latin typeface="Courier New"/>
-                <a:cs typeface="Courier New"/>
-              </a:rPr>
-              <a:t>ositions[]</a:t>
+              <a:t>positions[]</a:t>
             </a:r>
           </a:p>
           <a:p>
             <a:pPr algn="ctr"/>
-            <a:r>
-              <a:rPr lang="en-US" sz="1200" dirty="0">
-                <a:solidFill>
-                  <a:schemeClr val="tx2">
-                    <a:lumMod val="60000"/>
-                    <a:lumOff val="40000"/>
-                  </a:schemeClr>
-                </a:solidFill>
-                <a:latin typeface="Courier New"/>
-                <a:cs typeface="Courier New"/>
-              </a:rPr>
-              <a:t>f</a:t>
-            </a:r>
             <a:r>
               <a:rPr lang="en-US" sz="1200" dirty="0" smtClean="0">
                 <a:solidFill>
@@ -3328,7 +3308,7 @@
                 <a:latin typeface="Courier New"/>
                 <a:cs typeface="Courier New"/>
               </a:rPr>
-              <a:t>loat64 </a:t>
+              <a:t>float32 </a:t>
             </a:r>
             <a:r>
               <a:rPr lang="en-US" sz="1200" dirty="0" smtClean="0">
@@ -3457,10 +3437,6 @@
               </a:rPr>
               <a:t>Number of points</a:t>
             </a:r>
-            <a:endParaRPr lang="en-US" sz="1200" dirty="0" smtClean="0">
-              <a:latin typeface="Courier New"/>
-              <a:cs typeface="Courier New"/>
-            </a:endParaRPr>
           </a:p>
           <a:p>
             <a:pPr algn="ctr"/>
@@ -3500,66 +3476,13 @@
       </p:sp>
       <p:sp>
         <p:nvSpPr>
-          <p:cNvPr id="19" name="TextBox 18"/>
-          <p:cNvSpPr txBox="1"/>
-          <p:nvPr/>
-        </p:nvSpPr>
-        <p:spPr>
-          <a:xfrm>
-            <a:off x="4552440" y="662695"/>
-            <a:ext cx="831102" cy="461665"/>
-          </a:xfrm>
-          <a:prstGeom prst="rect">
-            <a:avLst/>
-          </a:prstGeom>
-          <a:noFill/>
-          <a:ln w="12700" cmpd="sng">
-            <a:solidFill>
-              <a:schemeClr val="tx1"/>
-            </a:solidFill>
-            <a:prstDash val="solid"/>
-          </a:ln>
-        </p:spPr>
-        <p:txBody>
-          <a:bodyPr wrap="none" rtlCol="0">
-            <a:spAutoFit/>
-          </a:bodyPr>
-          <a:lstStyle/>
-          <a:p>
-            <a:pPr algn="ctr"/>
-            <a:r>
-              <a:rPr lang="en-US" sz="1200" dirty="0" smtClean="0">
-                <a:latin typeface="Courier New"/>
-                <a:cs typeface="Courier New"/>
-              </a:rPr>
-              <a:t>4-byte</a:t>
-            </a:r>
-          </a:p>
-          <a:p>
-            <a:pPr algn="ctr"/>
-            <a:r>
-              <a:rPr lang="en-US" sz="1200" dirty="0" smtClean="0">
-                <a:latin typeface="Courier New"/>
-                <a:cs typeface="Courier New"/>
-              </a:rPr>
-              <a:t>padding</a:t>
-            </a:r>
-            <a:endParaRPr lang="en-US" sz="1200" dirty="0">
-              <a:latin typeface="Courier New"/>
-              <a:cs typeface="Courier New"/>
-            </a:endParaRPr>
-          </a:p>
-        </p:txBody>
-      </p:sp>
-      <p:sp>
-        <p:nvSpPr>
           <p:cNvPr id="12" name="TextBox 11"/>
           <p:cNvSpPr txBox="1"/>
           <p:nvPr/>
         </p:nvSpPr>
         <p:spPr>
           <a:xfrm>
-            <a:off x="6953428" y="662695"/>
+            <a:off x="6132628" y="662695"/>
             <a:ext cx="1015798" cy="461665"/>
           </a:xfrm>
           <a:prstGeom prst="rect">
@@ -3586,10 +3509,6 @@
               </a:rPr>
               <a:t>colors[]</a:t>
             </a:r>
-            <a:endParaRPr lang="en-US" sz="1200" dirty="0" smtClean="0">
-              <a:latin typeface="Courier New"/>
-              <a:cs typeface="Courier New"/>
-            </a:endParaRPr>
           </a:p>
           <a:p>
             <a:pPr algn="ctr"/>
@@ -3620,97 +3539,6 @@
           </a:p>
         </p:txBody>
       </p:sp>
-      <p:sp>
-        <p:nvSpPr>
-          <p:cNvPr id="15" name="TextBox 14"/>
-          <p:cNvSpPr txBox="1"/>
-          <p:nvPr/>
-        </p:nvSpPr>
-        <p:spPr>
-          <a:xfrm>
-            <a:off x="4643596" y="1757065"/>
-            <a:ext cx="1479892" cy="276999"/>
-          </a:xfrm>
-          <a:prstGeom prst="rect">
-            <a:avLst/>
-          </a:prstGeom>
-          <a:noFill/>
-          <a:ln w="12700" cmpd="sng">
-            <a:noFill/>
-            <a:prstDash val="lgDash"/>
-          </a:ln>
-        </p:spPr>
-        <p:txBody>
-          <a:bodyPr wrap="none" rtlCol="0">
-            <a:spAutoFit/>
-          </a:bodyPr>
-          <a:lstStyle/>
-          <a:p>
-            <a:pPr algn="ctr"/>
-            <a:r>
-              <a:rPr lang="en-US" sz="1200" dirty="0" smtClean="0">
-                <a:latin typeface="Courier New"/>
-                <a:cs typeface="Courier New"/>
-              </a:rPr>
-              <a:t>8-</a:t>
-            </a:r>
-            <a:r>
-              <a:rPr lang="en-US" sz="1200" dirty="0" smtClean="0">
-                <a:latin typeface="Courier New"/>
-                <a:cs typeface="Courier New"/>
-              </a:rPr>
-              <a:t>byte </a:t>
-            </a:r>
-            <a:r>
-              <a:rPr lang="en-US" sz="1200" dirty="0" smtClean="0">
-                <a:latin typeface="Courier New"/>
-                <a:cs typeface="Courier New"/>
-              </a:rPr>
-              <a:t>aligned</a:t>
-            </a:r>
-            <a:endParaRPr lang="en-US" sz="1200" dirty="0">
-              <a:latin typeface="Courier New"/>
-              <a:cs typeface="Courier New"/>
-            </a:endParaRPr>
-          </a:p>
-        </p:txBody>
-      </p:sp>
-      <p:cxnSp>
-        <p:nvCxnSpPr>
-          <p:cNvPr id="3" name="Straight Arrow Connector 2"/>
-          <p:cNvCxnSpPr/>
-          <p:nvPr/>
-        </p:nvCxnSpPr>
-        <p:spPr>
-          <a:xfrm flipV="1">
-            <a:off x="5383542" y="1124361"/>
-            <a:ext cx="0" cy="632704"/>
-          </a:xfrm>
-          <a:prstGeom prst="straightConnector1">
-            <a:avLst/>
-          </a:prstGeom>
-          <a:ln>
-            <a:solidFill>
-              <a:schemeClr val="tx1"/>
-            </a:solidFill>
-            <a:tailEnd type="arrow"/>
-          </a:ln>
-        </p:spPr>
-        <p:style>
-          <a:lnRef idx="2">
-            <a:schemeClr val="accent1"/>
-          </a:lnRef>
-          <a:fillRef idx="0">
-            <a:schemeClr val="accent1"/>
-          </a:fillRef>
-          <a:effectRef idx="1">
-            <a:schemeClr val="accent1"/>
-          </a:effectRef>
-          <a:fontRef idx="minor">
-            <a:schemeClr val="tx1"/>
-          </a:fontRef>
-        </p:style>
-      </p:cxnSp>
     </p:spTree>
     <p:extLst>
       <p:ext uri="{BB962C8B-B14F-4D97-AF65-F5344CB8AC3E}">

--- a/pnts/figures/Figures.pptx
+++ b/pnts/figures/Figures.pptx
@@ -304,7 +304,7 @@
           <a:p>
             <a:fld id="{E44376AC-B3C2-8643-B9A3-A6905164CDF3}" type="datetimeFigureOut">
               <a:rPr lang="en-US" smtClean="0"/>
-              <a:t>8/1/2015</a:t>
+              <a:t>11/5/2015</a:t>
             </a:fld>
             <a:endParaRPr lang="en-US"/>
           </a:p>
@@ -474,7 +474,7 @@
           <a:p>
             <a:fld id="{E44376AC-B3C2-8643-B9A3-A6905164CDF3}" type="datetimeFigureOut">
               <a:rPr lang="en-US" smtClean="0"/>
-              <a:t>8/1/2015</a:t>
+              <a:t>11/5/2015</a:t>
             </a:fld>
             <a:endParaRPr lang="en-US"/>
           </a:p>
@@ -654,7 +654,7 @@
           <a:p>
             <a:fld id="{E44376AC-B3C2-8643-B9A3-A6905164CDF3}" type="datetimeFigureOut">
               <a:rPr lang="en-US" smtClean="0"/>
-              <a:t>8/1/2015</a:t>
+              <a:t>11/5/2015</a:t>
             </a:fld>
             <a:endParaRPr lang="en-US"/>
           </a:p>
@@ -824,7 +824,7 @@
           <a:p>
             <a:fld id="{E44376AC-B3C2-8643-B9A3-A6905164CDF3}" type="datetimeFigureOut">
               <a:rPr lang="en-US" smtClean="0"/>
-              <a:t>8/1/2015</a:t>
+              <a:t>11/5/2015</a:t>
             </a:fld>
             <a:endParaRPr lang="en-US"/>
           </a:p>
@@ -1070,7 +1070,7 @@
           <a:p>
             <a:fld id="{E44376AC-B3C2-8643-B9A3-A6905164CDF3}" type="datetimeFigureOut">
               <a:rPr lang="en-US" smtClean="0"/>
-              <a:t>8/1/2015</a:t>
+              <a:t>11/5/2015</a:t>
             </a:fld>
             <a:endParaRPr lang="en-US"/>
           </a:p>
@@ -1358,7 +1358,7 @@
           <a:p>
             <a:fld id="{E44376AC-B3C2-8643-B9A3-A6905164CDF3}" type="datetimeFigureOut">
               <a:rPr lang="en-US" smtClean="0"/>
-              <a:t>8/1/2015</a:t>
+              <a:t>11/5/2015</a:t>
             </a:fld>
             <a:endParaRPr lang="en-US"/>
           </a:p>
@@ -1780,7 +1780,7 @@
           <a:p>
             <a:fld id="{E44376AC-B3C2-8643-B9A3-A6905164CDF3}" type="datetimeFigureOut">
               <a:rPr lang="en-US" smtClean="0"/>
-              <a:t>8/1/2015</a:t>
+              <a:t>11/5/2015</a:t>
             </a:fld>
             <a:endParaRPr lang="en-US"/>
           </a:p>
@@ -1898,7 +1898,7 @@
           <a:p>
             <a:fld id="{E44376AC-B3C2-8643-B9A3-A6905164CDF3}" type="datetimeFigureOut">
               <a:rPr lang="en-US" smtClean="0"/>
-              <a:t>8/1/2015</a:t>
+              <a:t>11/5/2015</a:t>
             </a:fld>
             <a:endParaRPr lang="en-US"/>
           </a:p>
@@ -1993,7 +1993,7 @@
           <a:p>
             <a:fld id="{E44376AC-B3C2-8643-B9A3-A6905164CDF3}" type="datetimeFigureOut">
               <a:rPr lang="en-US" smtClean="0"/>
-              <a:t>8/1/2015</a:t>
+              <a:t>11/5/2015</a:t>
             </a:fld>
             <a:endParaRPr lang="en-US"/>
           </a:p>
@@ -2270,7 +2270,7 @@
           <a:p>
             <a:fld id="{E44376AC-B3C2-8643-B9A3-A6905164CDF3}" type="datetimeFigureOut">
               <a:rPr lang="en-US" smtClean="0"/>
-              <a:t>8/1/2015</a:t>
+              <a:t>11/5/2015</a:t>
             </a:fld>
             <a:endParaRPr lang="en-US"/>
           </a:p>
@@ -2523,7 +2523,7 @@
           <a:p>
             <a:fld id="{E44376AC-B3C2-8643-B9A3-A6905164CDF3}" type="datetimeFigureOut">
               <a:rPr lang="en-US" smtClean="0"/>
-              <a:t>8/1/2015</a:t>
+              <a:t>11/5/2015</a:t>
             </a:fld>
             <a:endParaRPr lang="en-US"/>
           </a:p>
@@ -2736,7 +2736,7 @@
           <a:p>
             <a:fld id="{E44376AC-B3C2-8643-B9A3-A6905164CDF3}" type="datetimeFigureOut">
               <a:rPr lang="en-US" smtClean="0"/>
-              <a:t>8/1/2015</a:t>
+              <a:t>11/5/2015</a:t>
             </a:fld>
             <a:endParaRPr lang="en-US"/>
           </a:p>
@@ -3267,7 +3267,7 @@
         </p:nvSpPr>
         <p:spPr>
           <a:xfrm>
-            <a:off x="4558046" y="662695"/>
+            <a:off x="5303149" y="662693"/>
             <a:ext cx="1579278" cy="461665"/>
           </a:xfrm>
           <a:prstGeom prst="rect">
@@ -3333,7 +3333,7 @@
         <p:spPr>
           <a:xfrm>
             <a:off x="109807" y="399926"/>
-            <a:ext cx="4442633" cy="0"/>
+            <a:ext cx="5185145" cy="0"/>
           </a:xfrm>
           <a:prstGeom prst="straightConnector1">
             <a:avLst/>
@@ -3369,7 +3369,7 @@
         </p:nvSpPr>
         <p:spPr>
           <a:xfrm>
-            <a:off x="1587971" y="122927"/>
+            <a:off x="1959227" y="115812"/>
             <a:ext cx="1486305" cy="276999"/>
           </a:xfrm>
           <a:prstGeom prst="rect">
@@ -3393,7 +3393,14 @@
                 <a:latin typeface="Courier New"/>
                 <a:cs typeface="Courier New"/>
               </a:rPr>
-              <a:t>12-byte header</a:t>
+              <a:t>16-byte </a:t>
+            </a:r>
+            <a:r>
+              <a:rPr lang="en-US" sz="1200" dirty="0" smtClean="0">
+                <a:latin typeface="Courier New"/>
+                <a:cs typeface="Courier New"/>
+              </a:rPr>
+              <a:t>header</a:t>
             </a:r>
             <a:endParaRPr lang="en-US" sz="1200" dirty="0">
               <a:latin typeface="Courier New"/>
@@ -3410,8 +3417,8 @@
         </p:nvSpPr>
         <p:spPr>
           <a:xfrm>
-            <a:off x="2885196" y="662695"/>
-            <a:ext cx="1662234" cy="461665"/>
+            <a:off x="3994595" y="662693"/>
+            <a:ext cx="1300357" cy="461665"/>
           </a:xfrm>
           <a:prstGeom prst="rect">
             <a:avLst/>
@@ -3435,8 +3442,12 @@
                 <a:latin typeface="Courier New"/>
                 <a:cs typeface="Courier New"/>
               </a:rPr>
-              <a:t>Number of points</a:t>
-            </a:r>
+              <a:t>pointsLength</a:t>
+            </a:r>
+            <a:endParaRPr lang="en-US" sz="1200" dirty="0" smtClean="0">
+              <a:latin typeface="Courier New"/>
+              <a:cs typeface="Courier New"/>
+            </a:endParaRPr>
           </a:p>
           <a:p>
             <a:pPr algn="ctr"/>
@@ -3482,7 +3493,7 @@
         </p:nvSpPr>
         <p:spPr>
           <a:xfrm>
-            <a:off x="6132628" y="662695"/>
+            <a:off x="6877731" y="662693"/>
             <a:ext cx="1015798" cy="461665"/>
           </a:xfrm>
           <a:prstGeom prst="rect">
@@ -3531,6 +3542,82 @@
                 <a:cs typeface="Courier New"/>
               </a:rPr>
               <a:t> rgb</a:t>
+            </a:r>
+            <a:endParaRPr lang="en-US" sz="1200" dirty="0">
+              <a:latin typeface="Courier New"/>
+              <a:cs typeface="Courier New"/>
+            </a:endParaRPr>
+          </a:p>
+        </p:txBody>
+      </p:sp>
+      <p:sp>
+        <p:nvSpPr>
+          <p:cNvPr id="9" name="TextBox 8"/>
+          <p:cNvSpPr txBox="1"/>
+          <p:nvPr/>
+        </p:nvSpPr>
+        <p:spPr>
+          <a:xfrm>
+            <a:off x="2880187" y="662694"/>
+            <a:ext cx="1114408" cy="461665"/>
+          </a:xfrm>
+          <a:prstGeom prst="rect">
+            <a:avLst/>
+          </a:prstGeom>
+          <a:noFill/>
+          <a:ln w="12700" cmpd="sng">
+            <a:solidFill>
+              <a:schemeClr val="tx1"/>
+            </a:solidFill>
+          </a:ln>
+        </p:spPr>
+        <p:txBody>
+          <a:bodyPr wrap="none" rtlCol="0">
+            <a:spAutoFit/>
+          </a:bodyPr>
+          <a:lstStyle/>
+          <a:p>
+            <a:pPr algn="ctr"/>
+            <a:r>
+              <a:rPr lang="en-US" sz="1200" dirty="0" smtClean="0">
+                <a:latin typeface="Courier New"/>
+                <a:cs typeface="Courier New"/>
+              </a:rPr>
+              <a:t>byteLength</a:t>
+            </a:r>
+            <a:endParaRPr lang="en-US" sz="1200" dirty="0" smtClean="0">
+              <a:latin typeface="Courier New"/>
+              <a:cs typeface="Courier New"/>
+            </a:endParaRPr>
+          </a:p>
+          <a:p>
+            <a:pPr algn="ctr"/>
+            <a:r>
+              <a:rPr lang="en-US" sz="1200" dirty="0" smtClean="0">
+                <a:latin typeface="Courier New"/>
+                <a:cs typeface="Courier New"/>
+              </a:rPr>
+              <a:t>(</a:t>
+            </a:r>
+            <a:r>
+              <a:rPr lang="en-US" sz="1200" dirty="0" smtClean="0">
+                <a:solidFill>
+                  <a:schemeClr val="tx2">
+                    <a:lumMod val="60000"/>
+                    <a:lumOff val="40000"/>
+                  </a:schemeClr>
+                </a:solidFill>
+                <a:latin typeface="Courier New"/>
+                <a:cs typeface="Courier New"/>
+              </a:rPr>
+              <a:t>uint32</a:t>
+            </a:r>
+            <a:r>
+              <a:rPr lang="en-US" sz="1200" dirty="0" smtClean="0">
+                <a:latin typeface="Courier New"/>
+                <a:cs typeface="Courier New"/>
+              </a:rPr>
+              <a:t>)</a:t>
             </a:r>
             <a:endParaRPr lang="en-US" sz="1200" dirty="0">
               <a:latin typeface="Courier New"/>
